--- a/java/language/java.pptx
+++ b/java/language/java.pptx
@@ -7,6 +7,7 @@
   <p:sldIdLst>
     <p:sldId id="256" r:id="rId3"/>
     <p:sldId id="257" r:id="rId4"/>
+    <p:sldId id="258" r:id="rId5"/>
   </p:sldIdLst>
   <p:sldSz cx="12192000" cy="6858000"/>
   <p:notesSz cx="7103745" cy="10234295"/>
@@ -3600,6 +3601,747 @@
 </p:sld>
 </file>
 
+<file path=ppt/slides/slide3.xml><?xml version="1.0" encoding="utf-8"?>
+<p:sld xmlns:a="http://schemas.openxmlformats.org/drawingml/2006/main" xmlns:r="http://schemas.openxmlformats.org/officeDocument/2006/relationships" xmlns:p="http://schemas.openxmlformats.org/presentationml/2006/main">
+  <p:cSld>
+    <p:spTree>
+      <p:nvGrpSpPr>
+        <p:cNvPr id="1" name=""/>
+        <p:cNvGrpSpPr/>
+        <p:nvPr/>
+      </p:nvGrpSpPr>
+      <p:grpSpPr/>
+      <p:sp>
+        <p:nvSpPr>
+          <p:cNvPr id="4" name="圆角矩形 3"/>
+          <p:cNvSpPr/>
+          <p:nvPr/>
+        </p:nvSpPr>
+        <p:spPr>
+          <a:xfrm>
+            <a:off x="572770" y="2550795"/>
+            <a:ext cx="1322070" cy="842645"/>
+          </a:xfrm>
+          <a:prstGeom prst="roundRect">
+            <a:avLst/>
+          </a:prstGeom>
+          <a:noFill/>
+          <a:ln w="31750">
+            <a:solidFill>
+              <a:schemeClr val="tx1"/>
+            </a:solidFill>
+          </a:ln>
+        </p:spPr>
+        <p:style>
+          <a:lnRef idx="2">
+            <a:schemeClr val="accent1">
+              <a:shade val="50000"/>
+            </a:schemeClr>
+          </a:lnRef>
+          <a:fillRef idx="1">
+            <a:schemeClr val="accent1"/>
+          </a:fillRef>
+          <a:effectRef idx="0">
+            <a:schemeClr val="accent1"/>
+          </a:effectRef>
+          <a:fontRef idx="minor">
+            <a:schemeClr val="lt1"/>
+          </a:fontRef>
+        </p:style>
+        <p:txBody>
+          <a:bodyPr rtlCol="0" anchor="ctr"/>
+          <a:p>
+            <a:pPr algn="ctr"/>
+            <a:r>
+              <a:rPr lang="en-US" altLang="zh-CN">
+                <a:solidFill>
+                  <a:schemeClr val="tx1"/>
+                </a:solidFill>
+              </a:rPr>
+              <a:t>Running</a:t>
+            </a:r>
+            <a:endParaRPr lang="en-US" altLang="zh-CN">
+              <a:solidFill>
+                <a:schemeClr val="tx1"/>
+              </a:solidFill>
+            </a:endParaRPr>
+          </a:p>
+        </p:txBody>
+      </p:sp>
+      <p:sp>
+        <p:nvSpPr>
+          <p:cNvPr id="5" name="圆角矩形 4"/>
+          <p:cNvSpPr/>
+          <p:nvPr/>
+        </p:nvSpPr>
+        <p:spPr>
+          <a:xfrm>
+            <a:off x="3888105" y="768985"/>
+            <a:ext cx="1322070" cy="842645"/>
+          </a:xfrm>
+          <a:prstGeom prst="roundRect">
+            <a:avLst/>
+          </a:prstGeom>
+          <a:noFill/>
+          <a:ln w="31750">
+            <a:solidFill>
+              <a:schemeClr val="tx1"/>
+            </a:solidFill>
+          </a:ln>
+        </p:spPr>
+        <p:style>
+          <a:lnRef idx="2">
+            <a:schemeClr val="accent1">
+              <a:shade val="50000"/>
+            </a:schemeClr>
+          </a:lnRef>
+          <a:fillRef idx="1">
+            <a:schemeClr val="accent1"/>
+          </a:fillRef>
+          <a:effectRef idx="0">
+            <a:schemeClr val="accent1"/>
+          </a:effectRef>
+          <a:fontRef idx="minor">
+            <a:schemeClr val="lt1"/>
+          </a:fontRef>
+        </p:style>
+        <p:txBody>
+          <a:bodyPr rtlCol="0" anchor="ctr"/>
+          <a:p>
+            <a:pPr algn="ctr"/>
+            <a:r>
+              <a:rPr lang="en-US" altLang="zh-CN">
+                <a:solidFill>
+                  <a:schemeClr val="tx1"/>
+                </a:solidFill>
+              </a:rPr>
+              <a:t>Shut</a:t>
+            </a:r>
+            <a:endParaRPr lang="en-US" altLang="zh-CN">
+              <a:solidFill>
+                <a:schemeClr val="tx1"/>
+              </a:solidFill>
+            </a:endParaRPr>
+          </a:p>
+          <a:p>
+            <a:pPr algn="ctr"/>
+            <a:r>
+              <a:rPr lang="en-US" altLang="zh-CN">
+                <a:solidFill>
+                  <a:schemeClr val="tx1"/>
+                </a:solidFill>
+              </a:rPr>
+              <a:t>down</a:t>
+            </a:r>
+            <a:endParaRPr lang="en-US" altLang="zh-CN">
+              <a:solidFill>
+                <a:schemeClr val="tx1"/>
+              </a:solidFill>
+            </a:endParaRPr>
+          </a:p>
+        </p:txBody>
+      </p:sp>
+      <p:sp>
+        <p:nvSpPr>
+          <p:cNvPr id="6" name="圆角矩形 5"/>
+          <p:cNvSpPr/>
+          <p:nvPr/>
+        </p:nvSpPr>
+        <p:spPr>
+          <a:xfrm>
+            <a:off x="3888105" y="4669790"/>
+            <a:ext cx="1322070" cy="842645"/>
+          </a:xfrm>
+          <a:prstGeom prst="roundRect">
+            <a:avLst/>
+          </a:prstGeom>
+          <a:noFill/>
+          <a:ln w="31750">
+            <a:solidFill>
+              <a:schemeClr val="tx1"/>
+            </a:solidFill>
+          </a:ln>
+        </p:spPr>
+        <p:style>
+          <a:lnRef idx="2">
+            <a:schemeClr val="accent1">
+              <a:shade val="50000"/>
+            </a:schemeClr>
+          </a:lnRef>
+          <a:fillRef idx="1">
+            <a:schemeClr val="accent1"/>
+          </a:fillRef>
+          <a:effectRef idx="0">
+            <a:schemeClr val="accent1"/>
+          </a:effectRef>
+          <a:fontRef idx="minor">
+            <a:schemeClr val="lt1"/>
+          </a:fontRef>
+        </p:style>
+        <p:txBody>
+          <a:bodyPr rtlCol="0" anchor="ctr"/>
+          <a:p>
+            <a:pPr algn="ctr"/>
+            <a:r>
+              <a:rPr lang="en-US" altLang="zh-CN">
+                <a:solidFill>
+                  <a:schemeClr val="tx1"/>
+                </a:solidFill>
+              </a:rPr>
+              <a:t>Stop</a:t>
+            </a:r>
+            <a:endParaRPr lang="en-US" altLang="zh-CN">
+              <a:solidFill>
+                <a:schemeClr val="tx1"/>
+              </a:solidFill>
+            </a:endParaRPr>
+          </a:p>
+        </p:txBody>
+      </p:sp>
+      <p:sp>
+        <p:nvSpPr>
+          <p:cNvPr id="7" name="圆角矩形 6"/>
+          <p:cNvSpPr/>
+          <p:nvPr/>
+        </p:nvSpPr>
+        <p:spPr>
+          <a:xfrm>
+            <a:off x="6964045" y="2550795"/>
+            <a:ext cx="1322070" cy="842645"/>
+          </a:xfrm>
+          <a:prstGeom prst="roundRect">
+            <a:avLst/>
+          </a:prstGeom>
+          <a:noFill/>
+          <a:ln w="31750">
+            <a:solidFill>
+              <a:schemeClr val="tx1"/>
+            </a:solidFill>
+          </a:ln>
+        </p:spPr>
+        <p:style>
+          <a:lnRef idx="2">
+            <a:schemeClr val="accent1">
+              <a:shade val="50000"/>
+            </a:schemeClr>
+          </a:lnRef>
+          <a:fillRef idx="1">
+            <a:schemeClr val="accent1"/>
+          </a:fillRef>
+          <a:effectRef idx="0">
+            <a:schemeClr val="accent1"/>
+          </a:effectRef>
+          <a:fontRef idx="minor">
+            <a:schemeClr val="lt1"/>
+          </a:fontRef>
+        </p:style>
+        <p:txBody>
+          <a:bodyPr rtlCol="0" anchor="ctr"/>
+          <a:p>
+            <a:pPr algn="ctr"/>
+            <a:r>
+              <a:rPr lang="en-US" altLang="zh-CN">
+                <a:solidFill>
+                  <a:schemeClr val="tx1"/>
+                </a:solidFill>
+              </a:rPr>
+              <a:t>Tidying</a:t>
+            </a:r>
+            <a:endParaRPr lang="en-US" altLang="zh-CN">
+              <a:solidFill>
+                <a:schemeClr val="tx1"/>
+              </a:solidFill>
+            </a:endParaRPr>
+          </a:p>
+        </p:txBody>
+      </p:sp>
+      <p:sp>
+        <p:nvSpPr>
+          <p:cNvPr id="8" name="圆角矩形 7"/>
+          <p:cNvSpPr/>
+          <p:nvPr/>
+        </p:nvSpPr>
+        <p:spPr>
+          <a:xfrm>
+            <a:off x="9799320" y="2550795"/>
+            <a:ext cx="1526540" cy="842645"/>
+          </a:xfrm>
+          <a:prstGeom prst="roundRect">
+            <a:avLst/>
+          </a:prstGeom>
+          <a:noFill/>
+          <a:ln w="31750">
+            <a:solidFill>
+              <a:schemeClr val="tx1"/>
+            </a:solidFill>
+          </a:ln>
+        </p:spPr>
+        <p:style>
+          <a:lnRef idx="2">
+            <a:schemeClr val="accent1">
+              <a:shade val="50000"/>
+            </a:schemeClr>
+          </a:lnRef>
+          <a:fillRef idx="1">
+            <a:schemeClr val="accent1"/>
+          </a:fillRef>
+          <a:effectRef idx="0">
+            <a:schemeClr val="accent1"/>
+          </a:effectRef>
+          <a:fontRef idx="minor">
+            <a:schemeClr val="lt1"/>
+          </a:fontRef>
+        </p:style>
+        <p:txBody>
+          <a:bodyPr rtlCol="0" anchor="ctr"/>
+          <a:p>
+            <a:pPr algn="ctr"/>
+            <a:r>
+              <a:rPr lang="en-US" altLang="zh-CN">
+                <a:solidFill>
+                  <a:schemeClr val="tx1"/>
+                </a:solidFill>
+              </a:rPr>
+              <a:t>Terminated</a:t>
+            </a:r>
+            <a:endParaRPr lang="en-US" altLang="zh-CN">
+              <a:solidFill>
+                <a:schemeClr val="tx1"/>
+              </a:solidFill>
+            </a:endParaRPr>
+          </a:p>
+        </p:txBody>
+      </p:sp>
+      <p:cxnSp>
+        <p:nvCxnSpPr>
+          <p:cNvPr id="9" name="直接箭头连接符 8"/>
+          <p:cNvCxnSpPr>
+            <a:stCxn id="7" idx="3"/>
+            <a:endCxn id="8" idx="1"/>
+          </p:cNvCxnSpPr>
+          <p:nvPr/>
+        </p:nvCxnSpPr>
+        <p:spPr>
+          <a:xfrm>
+            <a:off x="8286115" y="2972435"/>
+            <a:ext cx="1513205" cy="0"/>
+          </a:xfrm>
+          <a:prstGeom prst="straightConnector1">
+            <a:avLst/>
+          </a:prstGeom>
+          <a:ln w="38100">
+            <a:solidFill>
+              <a:schemeClr val="tx1"/>
+            </a:solidFill>
+            <a:tailEnd type="arrow"/>
+          </a:ln>
+        </p:spPr>
+        <p:style>
+          <a:lnRef idx="1">
+            <a:schemeClr val="accent1"/>
+          </a:lnRef>
+          <a:fillRef idx="0">
+            <a:schemeClr val="accent1"/>
+          </a:fillRef>
+          <a:effectRef idx="0">
+            <a:schemeClr val="accent1"/>
+          </a:effectRef>
+          <a:fontRef idx="minor">
+            <a:schemeClr val="tx1"/>
+          </a:fontRef>
+        </p:style>
+      </p:cxnSp>
+      <p:sp>
+        <p:nvSpPr>
+          <p:cNvPr id="10" name="文本框 9"/>
+          <p:cNvSpPr txBox="1"/>
+          <p:nvPr/>
+        </p:nvSpPr>
+        <p:spPr>
+          <a:xfrm>
+            <a:off x="8350885" y="2550795"/>
+            <a:ext cx="1383665" cy="368300"/>
+          </a:xfrm>
+          <a:prstGeom prst="rect">
+            <a:avLst/>
+          </a:prstGeom>
+          <a:noFill/>
+        </p:spPr>
+        <p:txBody>
+          <a:bodyPr wrap="square" rtlCol="0">
+            <a:spAutoFit/>
+          </a:bodyPr>
+          <a:p>
+            <a:pPr algn="ctr"/>
+            <a:r>
+              <a:rPr lang="en-US" altLang="zh-CN"/>
+              <a:t>terminated()</a:t>
+            </a:r>
+            <a:endParaRPr lang="en-US" altLang="zh-CN"/>
+          </a:p>
+        </p:txBody>
+      </p:sp>
+      <p:cxnSp>
+        <p:nvCxnSpPr>
+          <p:cNvPr id="11" name="直接箭头连接符 10"/>
+          <p:cNvCxnSpPr>
+            <a:stCxn id="4" idx="0"/>
+            <a:endCxn id="5" idx="1"/>
+          </p:cNvCxnSpPr>
+          <p:nvPr/>
+        </p:nvCxnSpPr>
+        <p:spPr>
+          <a:xfrm flipV="1">
+            <a:off x="1233805" y="1190625"/>
+            <a:ext cx="2654300" cy="1360170"/>
+          </a:xfrm>
+          <a:prstGeom prst="straightConnector1">
+            <a:avLst/>
+          </a:prstGeom>
+          <a:ln w="38100">
+            <a:solidFill>
+              <a:schemeClr val="tx1"/>
+            </a:solidFill>
+            <a:tailEnd type="arrow"/>
+          </a:ln>
+        </p:spPr>
+        <p:style>
+          <a:lnRef idx="1">
+            <a:schemeClr val="accent1"/>
+          </a:lnRef>
+          <a:fillRef idx="0">
+            <a:schemeClr val="accent1"/>
+          </a:fillRef>
+          <a:effectRef idx="0">
+            <a:schemeClr val="accent1"/>
+          </a:effectRef>
+          <a:fontRef idx="minor">
+            <a:schemeClr val="tx1"/>
+          </a:fontRef>
+        </p:style>
+      </p:cxnSp>
+      <p:cxnSp>
+        <p:nvCxnSpPr>
+          <p:cNvPr id="12" name="直接箭头连接符 11"/>
+          <p:cNvCxnSpPr>
+            <a:stCxn id="4" idx="2"/>
+            <a:endCxn id="6" idx="1"/>
+          </p:cNvCxnSpPr>
+          <p:nvPr/>
+        </p:nvCxnSpPr>
+        <p:spPr>
+          <a:xfrm>
+            <a:off x="1233805" y="3393440"/>
+            <a:ext cx="2654300" cy="1697990"/>
+          </a:xfrm>
+          <a:prstGeom prst="straightConnector1">
+            <a:avLst/>
+          </a:prstGeom>
+          <a:ln w="38100">
+            <a:solidFill>
+              <a:schemeClr val="tx1"/>
+            </a:solidFill>
+            <a:tailEnd type="arrow"/>
+          </a:ln>
+        </p:spPr>
+        <p:style>
+          <a:lnRef idx="1">
+            <a:schemeClr val="accent1"/>
+          </a:lnRef>
+          <a:fillRef idx="0">
+            <a:schemeClr val="accent1"/>
+          </a:fillRef>
+          <a:effectRef idx="0">
+            <a:schemeClr val="accent1"/>
+          </a:effectRef>
+          <a:fontRef idx="minor">
+            <a:schemeClr val="tx1"/>
+          </a:fontRef>
+        </p:style>
+      </p:cxnSp>
+      <p:cxnSp>
+        <p:nvCxnSpPr>
+          <p:cNvPr id="13" name="直接箭头连接符 12"/>
+          <p:cNvCxnSpPr>
+            <a:stCxn id="6" idx="3"/>
+            <a:endCxn id="7" idx="2"/>
+          </p:cNvCxnSpPr>
+          <p:nvPr/>
+        </p:nvCxnSpPr>
+        <p:spPr>
+          <a:xfrm flipV="1">
+            <a:off x="5210175" y="3393440"/>
+            <a:ext cx="2414905" cy="1697990"/>
+          </a:xfrm>
+          <a:prstGeom prst="straightConnector1">
+            <a:avLst/>
+          </a:prstGeom>
+          <a:ln w="38100">
+            <a:solidFill>
+              <a:schemeClr val="tx1"/>
+            </a:solidFill>
+            <a:tailEnd type="arrow"/>
+          </a:ln>
+        </p:spPr>
+        <p:style>
+          <a:lnRef idx="1">
+            <a:schemeClr val="accent1"/>
+          </a:lnRef>
+          <a:fillRef idx="0">
+            <a:schemeClr val="accent1"/>
+          </a:fillRef>
+          <a:effectRef idx="0">
+            <a:schemeClr val="accent1"/>
+          </a:effectRef>
+          <a:fontRef idx="minor">
+            <a:schemeClr val="tx1"/>
+          </a:fontRef>
+        </p:style>
+      </p:cxnSp>
+      <p:cxnSp>
+        <p:nvCxnSpPr>
+          <p:cNvPr id="14" name="直接箭头连接符 13"/>
+          <p:cNvCxnSpPr>
+            <a:stCxn id="5" idx="3"/>
+            <a:endCxn id="7" idx="0"/>
+          </p:cNvCxnSpPr>
+          <p:nvPr/>
+        </p:nvCxnSpPr>
+        <p:spPr>
+          <a:xfrm>
+            <a:off x="5210175" y="1190625"/>
+            <a:ext cx="2414905" cy="1360170"/>
+          </a:xfrm>
+          <a:prstGeom prst="straightConnector1">
+            <a:avLst/>
+          </a:prstGeom>
+          <a:ln w="38100">
+            <a:solidFill>
+              <a:schemeClr val="tx1"/>
+            </a:solidFill>
+            <a:tailEnd type="arrow"/>
+          </a:ln>
+        </p:spPr>
+        <p:style>
+          <a:lnRef idx="1">
+            <a:schemeClr val="accent1"/>
+          </a:lnRef>
+          <a:fillRef idx="0">
+            <a:schemeClr val="accent1"/>
+          </a:fillRef>
+          <a:effectRef idx="0">
+            <a:schemeClr val="accent1"/>
+          </a:effectRef>
+          <a:fontRef idx="minor">
+            <a:schemeClr val="tx1"/>
+          </a:fontRef>
+        </p:style>
+      </p:cxnSp>
+      <p:cxnSp>
+        <p:nvCxnSpPr>
+          <p:cNvPr id="15" name="直接箭头连接符 14"/>
+          <p:cNvCxnSpPr>
+            <a:stCxn id="5" idx="2"/>
+            <a:endCxn id="6" idx="0"/>
+          </p:cNvCxnSpPr>
+          <p:nvPr/>
+        </p:nvCxnSpPr>
+        <p:spPr>
+          <a:xfrm>
+            <a:off x="4549140" y="1611630"/>
+            <a:ext cx="0" cy="3058160"/>
+          </a:xfrm>
+          <a:prstGeom prst="straightConnector1">
+            <a:avLst/>
+          </a:prstGeom>
+          <a:ln w="38100">
+            <a:solidFill>
+              <a:schemeClr val="tx1"/>
+            </a:solidFill>
+            <a:tailEnd type="arrow"/>
+          </a:ln>
+        </p:spPr>
+        <p:style>
+          <a:lnRef idx="1">
+            <a:schemeClr val="accent1"/>
+          </a:lnRef>
+          <a:fillRef idx="0">
+            <a:schemeClr val="accent1"/>
+          </a:fillRef>
+          <a:effectRef idx="0">
+            <a:schemeClr val="accent1"/>
+          </a:effectRef>
+          <a:fontRef idx="minor">
+            <a:schemeClr val="tx1"/>
+          </a:fontRef>
+        </p:style>
+      </p:cxnSp>
+      <p:sp>
+        <p:nvSpPr>
+          <p:cNvPr id="16" name="文本框 15"/>
+          <p:cNvSpPr txBox="1"/>
+          <p:nvPr/>
+        </p:nvSpPr>
+        <p:spPr>
+          <a:xfrm rot="19980000">
+            <a:off x="1732915" y="1484630"/>
+            <a:ext cx="1383665" cy="368300"/>
+          </a:xfrm>
+          <a:prstGeom prst="rect">
+            <a:avLst/>
+          </a:prstGeom>
+          <a:noFill/>
+        </p:spPr>
+        <p:txBody>
+          <a:bodyPr wrap="square" rtlCol="0">
+            <a:spAutoFit/>
+          </a:bodyPr>
+          <a:p>
+            <a:pPr algn="ctr"/>
+            <a:r>
+              <a:rPr lang="en-US" altLang="zh-CN"/>
+              <a:t>shutdown()</a:t>
+            </a:r>
+            <a:endParaRPr lang="en-US" altLang="zh-CN"/>
+          </a:p>
+        </p:txBody>
+      </p:sp>
+      <p:sp>
+        <p:nvSpPr>
+          <p:cNvPr id="17" name="文本框 16"/>
+          <p:cNvSpPr txBox="1"/>
+          <p:nvPr/>
+        </p:nvSpPr>
+        <p:spPr>
+          <a:xfrm rot="1920000">
+            <a:off x="1632585" y="4259580"/>
+            <a:ext cx="1856105" cy="368300"/>
+          </a:xfrm>
+          <a:prstGeom prst="rect">
+            <a:avLst/>
+          </a:prstGeom>
+          <a:noFill/>
+        </p:spPr>
+        <p:txBody>
+          <a:bodyPr wrap="square" rtlCol="0">
+            <a:spAutoFit/>
+          </a:bodyPr>
+          <a:p>
+            <a:pPr algn="ctr"/>
+            <a:r>
+              <a:rPr lang="en-US" altLang="zh-CN"/>
+              <a:t>shutdownNow()</a:t>
+            </a:r>
+            <a:endParaRPr lang="en-US" altLang="zh-CN"/>
+          </a:p>
+        </p:txBody>
+      </p:sp>
+      <p:sp>
+        <p:nvSpPr>
+          <p:cNvPr id="18" name="文本框 17"/>
+          <p:cNvSpPr txBox="1"/>
+          <p:nvPr/>
+        </p:nvSpPr>
+        <p:spPr>
+          <a:xfrm rot="16200000">
+            <a:off x="3436620" y="2891155"/>
+            <a:ext cx="1856105" cy="368300"/>
+          </a:xfrm>
+          <a:prstGeom prst="rect">
+            <a:avLst/>
+          </a:prstGeom>
+          <a:noFill/>
+        </p:spPr>
+        <p:txBody>
+          <a:bodyPr wrap="square" rtlCol="0">
+            <a:spAutoFit/>
+          </a:bodyPr>
+          <a:p>
+            <a:pPr algn="ctr"/>
+            <a:r>
+              <a:rPr lang="en-US" altLang="zh-CN"/>
+              <a:t>shutdownNow()</a:t>
+            </a:r>
+            <a:endParaRPr lang="en-US" altLang="zh-CN"/>
+          </a:p>
+        </p:txBody>
+      </p:sp>
+      <p:sp>
+        <p:nvSpPr>
+          <p:cNvPr id="19" name="文本框 18"/>
+          <p:cNvSpPr txBox="1"/>
+          <p:nvPr/>
+        </p:nvSpPr>
+        <p:spPr>
+          <a:xfrm rot="1800000">
+            <a:off x="5447030" y="1548130"/>
+            <a:ext cx="1941195" cy="645160"/>
+          </a:xfrm>
+          <a:prstGeom prst="rect">
+            <a:avLst/>
+          </a:prstGeom>
+          <a:noFill/>
+        </p:spPr>
+        <p:txBody>
+          <a:bodyPr wrap="square" rtlCol="0">
+            <a:spAutoFit/>
+          </a:bodyPr>
+          <a:p>
+            <a:pPr algn="ctr"/>
+            <a:r>
+              <a:rPr lang="en-US" altLang="zh-CN"/>
+              <a:t>queue = empty</a:t>
+            </a:r>
+            <a:endParaRPr lang="en-US" altLang="zh-CN"/>
+          </a:p>
+          <a:p>
+            <a:pPr algn="ctr"/>
+            <a:r>
+              <a:rPr lang="en-US" altLang="zh-CN"/>
+              <a:t>pool = empty</a:t>
+            </a:r>
+            <a:endParaRPr lang="en-US" altLang="zh-CN"/>
+          </a:p>
+        </p:txBody>
+      </p:sp>
+      <p:sp>
+        <p:nvSpPr>
+          <p:cNvPr id="20" name="文本框 19"/>
+          <p:cNvSpPr txBox="1"/>
+          <p:nvPr/>
+        </p:nvSpPr>
+        <p:spPr>
+          <a:xfrm rot="19560000">
+            <a:off x="5447030" y="4259580"/>
+            <a:ext cx="1941195" cy="368300"/>
+          </a:xfrm>
+          <a:prstGeom prst="rect">
+            <a:avLst/>
+          </a:prstGeom>
+          <a:noFill/>
+        </p:spPr>
+        <p:txBody>
+          <a:bodyPr wrap="square" rtlCol="0">
+            <a:spAutoFit/>
+          </a:bodyPr>
+          <a:p>
+            <a:pPr algn="ctr"/>
+            <a:r>
+              <a:rPr lang="en-US" altLang="zh-CN"/>
+              <a:t>pool = empty</a:t>
+            </a:r>
+            <a:endParaRPr lang="en-US" altLang="zh-CN"/>
+          </a:p>
+        </p:txBody>
+      </p:sp>
+    </p:spTree>
+  </p:cSld>
+  <p:clrMapOvr>
+    <a:masterClrMapping/>
+  </p:clrMapOvr>
+</p:sld>
+</file>
+
 <file path=ppt/theme/theme1.xml><?xml version="1.0" encoding="utf-8"?>
 <a:theme xmlns:a="http://schemas.openxmlformats.org/drawingml/2006/main" name="Office 主题">
   <a:themeElements>
